--- a/Documents/Project IV Final Presentation.pptx
+++ b/Documents/Project IV Final Presentation.pptx
@@ -1,6 +1,6 @@
 
 <file path=ppt/presentation.xml><?xml version="1.0" encoding="utf-8"?>
-<p:presentation xmlns:a="http://schemas.openxmlformats.org/drawingml/2006/main" xmlns:r="http://schemas.openxmlformats.org/officeDocument/2006/relationships" xmlns:mc="http://schemas.openxmlformats.org/markup-compatibility/2006" xmlns:mv="urn:schemas-microsoft-com:mac:vml" xmlns:p="http://schemas.openxmlformats.org/presentationml/2006/main" xmlns:c="http://schemas.openxmlformats.org/drawingml/2006/chart" xmlns:dgm="http://schemas.openxmlformats.org/drawingml/2006/diagram" xmlns:o="urn:schemas-microsoft-com:office:office" xmlns:v="urn:schemas-microsoft-com:vml" xmlns:pvml="urn:schemas-microsoft-com:office:powerpoint" xmlns:com="http://schemas.openxmlformats.org/drawingml/2006/compatibility" xmlns:p14="http://schemas.microsoft.com/office/powerpoint/2010/main" xmlns:p15="http://schemas.microsoft.com/office/powerpoint/2012/main" autoCompressPictures="0" embedTrueTypeFonts="1" strictFirstAndLastChars="0" saveSubsetFonts="1">
+<p:presentation xmlns:a="http://schemas.openxmlformats.org/drawingml/2006/main" xmlns:r="http://schemas.openxmlformats.org/officeDocument/2006/relationships" xmlns:mc="http://schemas.openxmlformats.org/markup-compatibility/2006" xmlns:mv="urn:schemas-microsoft-com:mac:vml" xmlns:p="http://schemas.openxmlformats.org/presentationml/2006/main" xmlns:c="http://schemas.openxmlformats.org/drawingml/2006/chart" xmlns:dgm="http://schemas.openxmlformats.org/drawingml/2006/diagram" xmlns:o="urn:schemas-microsoft-com:office:office" xmlns:v="urn:schemas-microsoft-com:vml" xmlns:pvml="urn:schemas-microsoft-com:office:powerpoint" xmlns:com="http://schemas.openxmlformats.org/drawingml/2006/compatibility" xmlns:p14="http://schemas.microsoft.com/office/powerpoint/2010/main" xmlns:p15="http://schemas.microsoft.com/office/powerpoint/2012/main" xmlns:ahyp="http://schemas.microsoft.com/office/drawing/2018/hyperlinkcolor" autoCompressPictures="0" embedTrueTypeFonts="1" strictFirstAndLastChars="0" saveSubsetFonts="1">
   <p:sldMasterIdLst>
     <p:sldMasterId id="2147483659" r:id="rId4"/>
   </p:sldMasterIdLst>
@@ -287,7 +287,7 @@
 </file>
 
 <file path=ppt/notesMasters/notesMaster1.xml><?xml version="1.0" encoding="utf-8"?>
-<p:notesMaster xmlns:a="http://schemas.openxmlformats.org/drawingml/2006/main" xmlns:r="http://schemas.openxmlformats.org/officeDocument/2006/relationships" xmlns:mc="http://schemas.openxmlformats.org/markup-compatibility/2006" xmlns:mv="urn:schemas-microsoft-com:mac:vml" xmlns:p="http://schemas.openxmlformats.org/presentationml/2006/main" xmlns:c="http://schemas.openxmlformats.org/drawingml/2006/chart" xmlns:dgm="http://schemas.openxmlformats.org/drawingml/2006/diagram" xmlns:o="urn:schemas-microsoft-com:office:office" xmlns:v="urn:schemas-microsoft-com:vml" xmlns:pvml="urn:schemas-microsoft-com:office:powerpoint" xmlns:com="http://schemas.openxmlformats.org/drawingml/2006/compatibility" xmlns:p14="http://schemas.microsoft.com/office/powerpoint/2010/main" xmlns:p15="http://schemas.microsoft.com/office/powerpoint/2012/main">
+<p:notesMaster xmlns:a="http://schemas.openxmlformats.org/drawingml/2006/main" xmlns:r="http://schemas.openxmlformats.org/officeDocument/2006/relationships" xmlns:mc="http://schemas.openxmlformats.org/markup-compatibility/2006" xmlns:mv="urn:schemas-microsoft-com:mac:vml" xmlns:p="http://schemas.openxmlformats.org/presentationml/2006/main" xmlns:c="http://schemas.openxmlformats.org/drawingml/2006/chart" xmlns:dgm="http://schemas.openxmlformats.org/drawingml/2006/diagram" xmlns:o="urn:schemas-microsoft-com:office:office" xmlns:v="urn:schemas-microsoft-com:vml" xmlns:pvml="urn:schemas-microsoft-com:office:powerpoint" xmlns:com="http://schemas.openxmlformats.org/drawingml/2006/compatibility" xmlns:p14="http://schemas.microsoft.com/office/powerpoint/2010/main" xmlns:p15="http://schemas.microsoft.com/office/powerpoint/2012/main" xmlns:ahyp="http://schemas.microsoft.com/office/drawing/2018/hyperlinkcolor">
   <p:cSld>
     <p:spTree>
       <p:nvGrpSpPr>
@@ -713,7 +713,7 @@
 </file>
 
 <file path=ppt/notesSlides/notesSlide1.xml><?xml version="1.0" encoding="utf-8"?>
-<p:notes xmlns:a="http://schemas.openxmlformats.org/drawingml/2006/main" xmlns:r="http://schemas.openxmlformats.org/officeDocument/2006/relationships" xmlns:mc="http://schemas.openxmlformats.org/markup-compatibility/2006" xmlns:mv="urn:schemas-microsoft-com:mac:vml" xmlns:p="http://schemas.openxmlformats.org/presentationml/2006/main" xmlns:c="http://schemas.openxmlformats.org/drawingml/2006/chart" xmlns:dgm="http://schemas.openxmlformats.org/drawingml/2006/diagram" xmlns:o="urn:schemas-microsoft-com:office:office" xmlns:v="urn:schemas-microsoft-com:vml" xmlns:pvml="urn:schemas-microsoft-com:office:powerpoint" xmlns:com="http://schemas.openxmlformats.org/drawingml/2006/compatibility" xmlns:p14="http://schemas.microsoft.com/office/powerpoint/2010/main" xmlns:p15="http://schemas.microsoft.com/office/powerpoint/2012/main" showMasterPhAnim="0" showMasterSp="0">
+<p:notes xmlns:a="http://schemas.openxmlformats.org/drawingml/2006/main" xmlns:r="http://schemas.openxmlformats.org/officeDocument/2006/relationships" xmlns:mc="http://schemas.openxmlformats.org/markup-compatibility/2006" xmlns:mv="urn:schemas-microsoft-com:mac:vml" xmlns:p="http://schemas.openxmlformats.org/presentationml/2006/main" xmlns:c="http://schemas.openxmlformats.org/drawingml/2006/chart" xmlns:dgm="http://schemas.openxmlformats.org/drawingml/2006/diagram" xmlns:o="urn:schemas-microsoft-com:office:office" xmlns:v="urn:schemas-microsoft-com:vml" xmlns:pvml="urn:schemas-microsoft-com:office:powerpoint" xmlns:com="http://schemas.openxmlformats.org/drawingml/2006/compatibility" xmlns:p14="http://schemas.microsoft.com/office/powerpoint/2010/main" xmlns:p15="http://schemas.microsoft.com/office/powerpoint/2012/main" xmlns:ahyp="http://schemas.microsoft.com/office/drawing/2018/hyperlinkcolor" showMasterPhAnim="0" showMasterSp="0">
   <p:cSld>
     <p:spTree>
       <p:nvGrpSpPr>
@@ -812,7 +812,7 @@
 </file>
 
 <file path=ppt/notesSlides/notesSlide10.xml><?xml version="1.0" encoding="utf-8"?>
-<p:notes xmlns:a="http://schemas.openxmlformats.org/drawingml/2006/main" xmlns:r="http://schemas.openxmlformats.org/officeDocument/2006/relationships" xmlns:mc="http://schemas.openxmlformats.org/markup-compatibility/2006" xmlns:mv="urn:schemas-microsoft-com:mac:vml" xmlns:p="http://schemas.openxmlformats.org/presentationml/2006/main" xmlns:c="http://schemas.openxmlformats.org/drawingml/2006/chart" xmlns:dgm="http://schemas.openxmlformats.org/drawingml/2006/diagram" xmlns:o="urn:schemas-microsoft-com:office:office" xmlns:v="urn:schemas-microsoft-com:vml" xmlns:pvml="urn:schemas-microsoft-com:office:powerpoint" xmlns:com="http://schemas.openxmlformats.org/drawingml/2006/compatibility" xmlns:p14="http://schemas.microsoft.com/office/powerpoint/2010/main" xmlns:p15="http://schemas.microsoft.com/office/powerpoint/2012/main" showMasterPhAnim="0" showMasterSp="0">
+<p:notes xmlns:a="http://schemas.openxmlformats.org/drawingml/2006/main" xmlns:r="http://schemas.openxmlformats.org/officeDocument/2006/relationships" xmlns:mc="http://schemas.openxmlformats.org/markup-compatibility/2006" xmlns:mv="urn:schemas-microsoft-com:mac:vml" xmlns:p="http://schemas.openxmlformats.org/presentationml/2006/main" xmlns:c="http://schemas.openxmlformats.org/drawingml/2006/chart" xmlns:dgm="http://schemas.openxmlformats.org/drawingml/2006/diagram" xmlns:o="urn:schemas-microsoft-com:office:office" xmlns:v="urn:schemas-microsoft-com:vml" xmlns:pvml="urn:schemas-microsoft-com:office:powerpoint" xmlns:com="http://schemas.openxmlformats.org/drawingml/2006/compatibility" xmlns:p14="http://schemas.microsoft.com/office/powerpoint/2010/main" xmlns:p15="http://schemas.microsoft.com/office/powerpoint/2012/main" xmlns:ahyp="http://schemas.microsoft.com/office/drawing/2018/hyperlinkcolor" showMasterPhAnim="0" showMasterSp="0">
   <p:cSld>
     <p:spTree>
       <p:nvGrpSpPr>
@@ -911,7 +911,7 @@
 </file>
 
 <file path=ppt/notesSlides/notesSlide11.xml><?xml version="1.0" encoding="utf-8"?>
-<p:notes xmlns:a="http://schemas.openxmlformats.org/drawingml/2006/main" xmlns:r="http://schemas.openxmlformats.org/officeDocument/2006/relationships" xmlns:mc="http://schemas.openxmlformats.org/markup-compatibility/2006" xmlns:mv="urn:schemas-microsoft-com:mac:vml" xmlns:p="http://schemas.openxmlformats.org/presentationml/2006/main" xmlns:c="http://schemas.openxmlformats.org/drawingml/2006/chart" xmlns:dgm="http://schemas.openxmlformats.org/drawingml/2006/diagram" xmlns:o="urn:schemas-microsoft-com:office:office" xmlns:v="urn:schemas-microsoft-com:vml" xmlns:pvml="urn:schemas-microsoft-com:office:powerpoint" xmlns:com="http://schemas.openxmlformats.org/drawingml/2006/compatibility" xmlns:p14="http://schemas.microsoft.com/office/powerpoint/2010/main" xmlns:p15="http://schemas.microsoft.com/office/powerpoint/2012/main" showMasterPhAnim="0" showMasterSp="0">
+<p:notes xmlns:a="http://schemas.openxmlformats.org/drawingml/2006/main" xmlns:r="http://schemas.openxmlformats.org/officeDocument/2006/relationships" xmlns:mc="http://schemas.openxmlformats.org/markup-compatibility/2006" xmlns:mv="urn:schemas-microsoft-com:mac:vml" xmlns:p="http://schemas.openxmlformats.org/presentationml/2006/main" xmlns:c="http://schemas.openxmlformats.org/drawingml/2006/chart" xmlns:dgm="http://schemas.openxmlformats.org/drawingml/2006/diagram" xmlns:o="urn:schemas-microsoft-com:office:office" xmlns:v="urn:schemas-microsoft-com:vml" xmlns:pvml="urn:schemas-microsoft-com:office:powerpoint" xmlns:com="http://schemas.openxmlformats.org/drawingml/2006/compatibility" xmlns:p14="http://schemas.microsoft.com/office/powerpoint/2010/main" xmlns:p15="http://schemas.microsoft.com/office/powerpoint/2012/main" xmlns:ahyp="http://schemas.microsoft.com/office/drawing/2018/hyperlinkcolor" showMasterPhAnim="0" showMasterSp="0">
   <p:cSld>
     <p:spTree>
       <p:nvGrpSpPr>
@@ -1010,7 +1010,7 @@
 </file>
 
 <file path=ppt/notesSlides/notesSlide2.xml><?xml version="1.0" encoding="utf-8"?>
-<p:notes xmlns:a="http://schemas.openxmlformats.org/drawingml/2006/main" xmlns:r="http://schemas.openxmlformats.org/officeDocument/2006/relationships" xmlns:mc="http://schemas.openxmlformats.org/markup-compatibility/2006" xmlns:mv="urn:schemas-microsoft-com:mac:vml" xmlns:p="http://schemas.openxmlformats.org/presentationml/2006/main" xmlns:c="http://schemas.openxmlformats.org/drawingml/2006/chart" xmlns:dgm="http://schemas.openxmlformats.org/drawingml/2006/diagram" xmlns:o="urn:schemas-microsoft-com:office:office" xmlns:v="urn:schemas-microsoft-com:vml" xmlns:pvml="urn:schemas-microsoft-com:office:powerpoint" xmlns:com="http://schemas.openxmlformats.org/drawingml/2006/compatibility" xmlns:p14="http://schemas.microsoft.com/office/powerpoint/2010/main" xmlns:p15="http://schemas.microsoft.com/office/powerpoint/2012/main" showMasterPhAnim="0" showMasterSp="0">
+<p:notes xmlns:a="http://schemas.openxmlformats.org/drawingml/2006/main" xmlns:r="http://schemas.openxmlformats.org/officeDocument/2006/relationships" xmlns:mc="http://schemas.openxmlformats.org/markup-compatibility/2006" xmlns:mv="urn:schemas-microsoft-com:mac:vml" xmlns:p="http://schemas.openxmlformats.org/presentationml/2006/main" xmlns:c="http://schemas.openxmlformats.org/drawingml/2006/chart" xmlns:dgm="http://schemas.openxmlformats.org/drawingml/2006/diagram" xmlns:o="urn:schemas-microsoft-com:office:office" xmlns:v="urn:schemas-microsoft-com:vml" xmlns:pvml="urn:schemas-microsoft-com:office:powerpoint" xmlns:com="http://schemas.openxmlformats.org/drawingml/2006/compatibility" xmlns:p14="http://schemas.microsoft.com/office/powerpoint/2010/main" xmlns:p15="http://schemas.microsoft.com/office/powerpoint/2012/main" xmlns:ahyp="http://schemas.microsoft.com/office/drawing/2018/hyperlinkcolor" showMasterPhAnim="0" showMasterSp="0">
   <p:cSld>
     <p:spTree>
       <p:nvGrpSpPr>
@@ -1109,7 +1109,7 @@
 </file>
 
 <file path=ppt/notesSlides/notesSlide3.xml><?xml version="1.0" encoding="utf-8"?>
-<p:notes xmlns:a="http://schemas.openxmlformats.org/drawingml/2006/main" xmlns:r="http://schemas.openxmlformats.org/officeDocument/2006/relationships" xmlns:mc="http://schemas.openxmlformats.org/markup-compatibility/2006" xmlns:mv="urn:schemas-microsoft-com:mac:vml" xmlns:p="http://schemas.openxmlformats.org/presentationml/2006/main" xmlns:c="http://schemas.openxmlformats.org/drawingml/2006/chart" xmlns:dgm="http://schemas.openxmlformats.org/drawingml/2006/diagram" xmlns:o="urn:schemas-microsoft-com:office:office" xmlns:v="urn:schemas-microsoft-com:vml" xmlns:pvml="urn:schemas-microsoft-com:office:powerpoint" xmlns:com="http://schemas.openxmlformats.org/drawingml/2006/compatibility" xmlns:p14="http://schemas.microsoft.com/office/powerpoint/2010/main" xmlns:p15="http://schemas.microsoft.com/office/powerpoint/2012/main" showMasterPhAnim="0" showMasterSp="0">
+<p:notes xmlns:a="http://schemas.openxmlformats.org/drawingml/2006/main" xmlns:r="http://schemas.openxmlformats.org/officeDocument/2006/relationships" xmlns:mc="http://schemas.openxmlformats.org/markup-compatibility/2006" xmlns:mv="urn:schemas-microsoft-com:mac:vml" xmlns:p="http://schemas.openxmlformats.org/presentationml/2006/main" xmlns:c="http://schemas.openxmlformats.org/drawingml/2006/chart" xmlns:dgm="http://schemas.openxmlformats.org/drawingml/2006/diagram" xmlns:o="urn:schemas-microsoft-com:office:office" xmlns:v="urn:schemas-microsoft-com:vml" xmlns:pvml="urn:schemas-microsoft-com:office:powerpoint" xmlns:com="http://schemas.openxmlformats.org/drawingml/2006/compatibility" xmlns:p14="http://schemas.microsoft.com/office/powerpoint/2010/main" xmlns:p15="http://schemas.microsoft.com/office/powerpoint/2012/main" xmlns:ahyp="http://schemas.microsoft.com/office/drawing/2018/hyperlinkcolor" showMasterPhAnim="0" showMasterSp="0">
   <p:cSld>
     <p:spTree>
       <p:nvGrpSpPr>
@@ -1208,7 +1208,7 @@
 </file>
 
 <file path=ppt/notesSlides/notesSlide4.xml><?xml version="1.0" encoding="utf-8"?>
-<p:notes xmlns:a="http://schemas.openxmlformats.org/drawingml/2006/main" xmlns:r="http://schemas.openxmlformats.org/officeDocument/2006/relationships" xmlns:mc="http://schemas.openxmlformats.org/markup-compatibility/2006" xmlns:mv="urn:schemas-microsoft-com:mac:vml" xmlns:p="http://schemas.openxmlformats.org/presentationml/2006/main" xmlns:c="http://schemas.openxmlformats.org/drawingml/2006/chart" xmlns:dgm="http://schemas.openxmlformats.org/drawingml/2006/diagram" xmlns:o="urn:schemas-microsoft-com:office:office" xmlns:v="urn:schemas-microsoft-com:vml" xmlns:pvml="urn:schemas-microsoft-com:office:powerpoint" xmlns:com="http://schemas.openxmlformats.org/drawingml/2006/compatibility" xmlns:p14="http://schemas.microsoft.com/office/powerpoint/2010/main" xmlns:p15="http://schemas.microsoft.com/office/powerpoint/2012/main" showMasterPhAnim="0" showMasterSp="0">
+<p:notes xmlns:a="http://schemas.openxmlformats.org/drawingml/2006/main" xmlns:r="http://schemas.openxmlformats.org/officeDocument/2006/relationships" xmlns:mc="http://schemas.openxmlformats.org/markup-compatibility/2006" xmlns:mv="urn:schemas-microsoft-com:mac:vml" xmlns:p="http://schemas.openxmlformats.org/presentationml/2006/main" xmlns:c="http://schemas.openxmlformats.org/drawingml/2006/chart" xmlns:dgm="http://schemas.openxmlformats.org/drawingml/2006/diagram" xmlns:o="urn:schemas-microsoft-com:office:office" xmlns:v="urn:schemas-microsoft-com:vml" xmlns:pvml="urn:schemas-microsoft-com:office:powerpoint" xmlns:com="http://schemas.openxmlformats.org/drawingml/2006/compatibility" xmlns:p14="http://schemas.microsoft.com/office/powerpoint/2010/main" xmlns:p15="http://schemas.microsoft.com/office/powerpoint/2012/main" xmlns:ahyp="http://schemas.microsoft.com/office/drawing/2018/hyperlinkcolor" showMasterPhAnim="0" showMasterSp="0">
   <p:cSld>
     <p:spTree>
       <p:nvGrpSpPr>
@@ -1307,7 +1307,7 @@
 </file>
 
 <file path=ppt/notesSlides/notesSlide5.xml><?xml version="1.0" encoding="utf-8"?>
-<p:notes xmlns:a="http://schemas.openxmlformats.org/drawingml/2006/main" xmlns:r="http://schemas.openxmlformats.org/officeDocument/2006/relationships" xmlns:mc="http://schemas.openxmlformats.org/markup-compatibility/2006" xmlns:mv="urn:schemas-microsoft-com:mac:vml" xmlns:p="http://schemas.openxmlformats.org/presentationml/2006/main" xmlns:c="http://schemas.openxmlformats.org/drawingml/2006/chart" xmlns:dgm="http://schemas.openxmlformats.org/drawingml/2006/diagram" xmlns:o="urn:schemas-microsoft-com:office:office" xmlns:v="urn:schemas-microsoft-com:vml" xmlns:pvml="urn:schemas-microsoft-com:office:powerpoint" xmlns:com="http://schemas.openxmlformats.org/drawingml/2006/compatibility" xmlns:p14="http://schemas.microsoft.com/office/powerpoint/2010/main" xmlns:p15="http://schemas.microsoft.com/office/powerpoint/2012/main" showMasterPhAnim="0" showMasterSp="0">
+<p:notes xmlns:a="http://schemas.openxmlformats.org/drawingml/2006/main" xmlns:r="http://schemas.openxmlformats.org/officeDocument/2006/relationships" xmlns:mc="http://schemas.openxmlformats.org/markup-compatibility/2006" xmlns:mv="urn:schemas-microsoft-com:mac:vml" xmlns:p="http://schemas.openxmlformats.org/presentationml/2006/main" xmlns:c="http://schemas.openxmlformats.org/drawingml/2006/chart" xmlns:dgm="http://schemas.openxmlformats.org/drawingml/2006/diagram" xmlns:o="urn:schemas-microsoft-com:office:office" xmlns:v="urn:schemas-microsoft-com:vml" xmlns:pvml="urn:schemas-microsoft-com:office:powerpoint" xmlns:com="http://schemas.openxmlformats.org/drawingml/2006/compatibility" xmlns:p14="http://schemas.microsoft.com/office/powerpoint/2010/main" xmlns:p15="http://schemas.microsoft.com/office/powerpoint/2012/main" xmlns:ahyp="http://schemas.microsoft.com/office/drawing/2018/hyperlinkcolor" showMasterPhAnim="0" showMasterSp="0">
   <p:cSld>
     <p:spTree>
       <p:nvGrpSpPr>
@@ -1406,7 +1406,7 @@
 </file>
 
 <file path=ppt/notesSlides/notesSlide6.xml><?xml version="1.0" encoding="utf-8"?>
-<p:notes xmlns:a="http://schemas.openxmlformats.org/drawingml/2006/main" xmlns:r="http://schemas.openxmlformats.org/officeDocument/2006/relationships" xmlns:mc="http://schemas.openxmlformats.org/markup-compatibility/2006" xmlns:mv="urn:schemas-microsoft-com:mac:vml" xmlns:p="http://schemas.openxmlformats.org/presentationml/2006/main" xmlns:c="http://schemas.openxmlformats.org/drawingml/2006/chart" xmlns:dgm="http://schemas.openxmlformats.org/drawingml/2006/diagram" xmlns:o="urn:schemas-microsoft-com:office:office" xmlns:v="urn:schemas-microsoft-com:vml" xmlns:pvml="urn:schemas-microsoft-com:office:powerpoint" xmlns:com="http://schemas.openxmlformats.org/drawingml/2006/compatibility" xmlns:p14="http://schemas.microsoft.com/office/powerpoint/2010/main" xmlns:p15="http://schemas.microsoft.com/office/powerpoint/2012/main" showMasterPhAnim="0" showMasterSp="0">
+<p:notes xmlns:a="http://schemas.openxmlformats.org/drawingml/2006/main" xmlns:r="http://schemas.openxmlformats.org/officeDocument/2006/relationships" xmlns:mc="http://schemas.openxmlformats.org/markup-compatibility/2006" xmlns:mv="urn:schemas-microsoft-com:mac:vml" xmlns:p="http://schemas.openxmlformats.org/presentationml/2006/main" xmlns:c="http://schemas.openxmlformats.org/drawingml/2006/chart" xmlns:dgm="http://schemas.openxmlformats.org/drawingml/2006/diagram" xmlns:o="urn:schemas-microsoft-com:office:office" xmlns:v="urn:schemas-microsoft-com:vml" xmlns:pvml="urn:schemas-microsoft-com:office:powerpoint" xmlns:com="http://schemas.openxmlformats.org/drawingml/2006/compatibility" xmlns:p14="http://schemas.microsoft.com/office/powerpoint/2010/main" xmlns:p15="http://schemas.microsoft.com/office/powerpoint/2012/main" xmlns:ahyp="http://schemas.microsoft.com/office/drawing/2018/hyperlinkcolor" showMasterPhAnim="0" showMasterSp="0">
   <p:cSld>
     <p:spTree>
       <p:nvGrpSpPr>
@@ -1505,7 +1505,7 @@
 </file>
 
 <file path=ppt/notesSlides/notesSlide7.xml><?xml version="1.0" encoding="utf-8"?>
-<p:notes xmlns:a="http://schemas.openxmlformats.org/drawingml/2006/main" xmlns:r="http://schemas.openxmlformats.org/officeDocument/2006/relationships" xmlns:mc="http://schemas.openxmlformats.org/markup-compatibility/2006" xmlns:mv="urn:schemas-microsoft-com:mac:vml" xmlns:p="http://schemas.openxmlformats.org/presentationml/2006/main" xmlns:c="http://schemas.openxmlformats.org/drawingml/2006/chart" xmlns:dgm="http://schemas.openxmlformats.org/drawingml/2006/diagram" xmlns:o="urn:schemas-microsoft-com:office:office" xmlns:v="urn:schemas-microsoft-com:vml" xmlns:pvml="urn:schemas-microsoft-com:office:powerpoint" xmlns:com="http://schemas.openxmlformats.org/drawingml/2006/compatibility" xmlns:p14="http://schemas.microsoft.com/office/powerpoint/2010/main" xmlns:p15="http://schemas.microsoft.com/office/powerpoint/2012/main" showMasterPhAnim="0" showMasterSp="0">
+<p:notes xmlns:a="http://schemas.openxmlformats.org/drawingml/2006/main" xmlns:r="http://schemas.openxmlformats.org/officeDocument/2006/relationships" xmlns:mc="http://schemas.openxmlformats.org/markup-compatibility/2006" xmlns:mv="urn:schemas-microsoft-com:mac:vml" xmlns:p="http://schemas.openxmlformats.org/presentationml/2006/main" xmlns:c="http://schemas.openxmlformats.org/drawingml/2006/chart" xmlns:dgm="http://schemas.openxmlformats.org/drawingml/2006/diagram" xmlns:o="urn:schemas-microsoft-com:office:office" xmlns:v="urn:schemas-microsoft-com:vml" xmlns:pvml="urn:schemas-microsoft-com:office:powerpoint" xmlns:com="http://schemas.openxmlformats.org/drawingml/2006/compatibility" xmlns:p14="http://schemas.microsoft.com/office/powerpoint/2010/main" xmlns:p15="http://schemas.microsoft.com/office/powerpoint/2012/main" xmlns:ahyp="http://schemas.microsoft.com/office/drawing/2018/hyperlinkcolor" showMasterPhAnim="0" showMasterSp="0">
   <p:cSld>
     <p:spTree>
       <p:nvGrpSpPr>
@@ -1604,7 +1604,7 @@
 </file>
 
 <file path=ppt/notesSlides/notesSlide8.xml><?xml version="1.0" encoding="utf-8"?>
-<p:notes xmlns:a="http://schemas.openxmlformats.org/drawingml/2006/main" xmlns:r="http://schemas.openxmlformats.org/officeDocument/2006/relationships" xmlns:mc="http://schemas.openxmlformats.org/markup-compatibility/2006" xmlns:mv="urn:schemas-microsoft-com:mac:vml" xmlns:p="http://schemas.openxmlformats.org/presentationml/2006/main" xmlns:c="http://schemas.openxmlformats.org/drawingml/2006/chart" xmlns:dgm="http://schemas.openxmlformats.org/drawingml/2006/diagram" xmlns:o="urn:schemas-microsoft-com:office:office" xmlns:v="urn:schemas-microsoft-com:vml" xmlns:pvml="urn:schemas-microsoft-com:office:powerpoint" xmlns:com="http://schemas.openxmlformats.org/drawingml/2006/compatibility" xmlns:p14="http://schemas.microsoft.com/office/powerpoint/2010/main" xmlns:p15="http://schemas.microsoft.com/office/powerpoint/2012/main" showMasterPhAnim="0" showMasterSp="0">
+<p:notes xmlns:a="http://schemas.openxmlformats.org/drawingml/2006/main" xmlns:r="http://schemas.openxmlformats.org/officeDocument/2006/relationships" xmlns:mc="http://schemas.openxmlformats.org/markup-compatibility/2006" xmlns:mv="urn:schemas-microsoft-com:mac:vml" xmlns:p="http://schemas.openxmlformats.org/presentationml/2006/main" xmlns:c="http://schemas.openxmlformats.org/drawingml/2006/chart" xmlns:dgm="http://schemas.openxmlformats.org/drawingml/2006/diagram" xmlns:o="urn:schemas-microsoft-com:office:office" xmlns:v="urn:schemas-microsoft-com:vml" xmlns:pvml="urn:schemas-microsoft-com:office:powerpoint" xmlns:com="http://schemas.openxmlformats.org/drawingml/2006/compatibility" xmlns:p14="http://schemas.microsoft.com/office/powerpoint/2010/main" xmlns:p15="http://schemas.microsoft.com/office/powerpoint/2012/main" xmlns:ahyp="http://schemas.microsoft.com/office/drawing/2018/hyperlinkcolor" showMasterPhAnim="0" showMasterSp="0">
   <p:cSld>
     <p:spTree>
       <p:nvGrpSpPr>
@@ -1703,7 +1703,7 @@
 </file>
 
 <file path=ppt/notesSlides/notesSlide9.xml><?xml version="1.0" encoding="utf-8"?>
-<p:notes xmlns:a="http://schemas.openxmlformats.org/drawingml/2006/main" xmlns:r="http://schemas.openxmlformats.org/officeDocument/2006/relationships" xmlns:mc="http://schemas.openxmlformats.org/markup-compatibility/2006" xmlns:mv="urn:schemas-microsoft-com:mac:vml" xmlns:p="http://schemas.openxmlformats.org/presentationml/2006/main" xmlns:c="http://schemas.openxmlformats.org/drawingml/2006/chart" xmlns:dgm="http://schemas.openxmlformats.org/drawingml/2006/diagram" xmlns:o="urn:schemas-microsoft-com:office:office" xmlns:v="urn:schemas-microsoft-com:vml" xmlns:pvml="urn:schemas-microsoft-com:office:powerpoint" xmlns:com="http://schemas.openxmlformats.org/drawingml/2006/compatibility" xmlns:p14="http://schemas.microsoft.com/office/powerpoint/2010/main" xmlns:p15="http://schemas.microsoft.com/office/powerpoint/2012/main" showMasterPhAnim="0" showMasterSp="0">
+<p:notes xmlns:a="http://schemas.openxmlformats.org/drawingml/2006/main" xmlns:r="http://schemas.openxmlformats.org/officeDocument/2006/relationships" xmlns:mc="http://schemas.openxmlformats.org/markup-compatibility/2006" xmlns:mv="urn:schemas-microsoft-com:mac:vml" xmlns:p="http://schemas.openxmlformats.org/presentationml/2006/main" xmlns:c="http://schemas.openxmlformats.org/drawingml/2006/chart" xmlns:dgm="http://schemas.openxmlformats.org/drawingml/2006/diagram" xmlns:o="urn:schemas-microsoft-com:office:office" xmlns:v="urn:schemas-microsoft-com:vml" xmlns:pvml="urn:schemas-microsoft-com:office:powerpoint" xmlns:com="http://schemas.openxmlformats.org/drawingml/2006/compatibility" xmlns:p14="http://schemas.microsoft.com/office/powerpoint/2010/main" xmlns:p15="http://schemas.microsoft.com/office/powerpoint/2012/main" xmlns:ahyp="http://schemas.microsoft.com/office/drawing/2018/hyperlinkcolor" showMasterPhAnim="0" showMasterSp="0">
   <p:cSld>
     <p:spTree>
       <p:nvGrpSpPr>
@@ -1802,7 +1802,7 @@
 </file>
 
 <file path=ppt/slideLayouts/slideLayout1.xml><?xml version="1.0" encoding="utf-8"?>
-<p:sldLayout xmlns:a="http://schemas.openxmlformats.org/drawingml/2006/main" xmlns:r="http://schemas.openxmlformats.org/officeDocument/2006/relationships" xmlns:mc="http://schemas.openxmlformats.org/markup-compatibility/2006" xmlns:mv="urn:schemas-microsoft-com:mac:vml" xmlns:p="http://schemas.openxmlformats.org/presentationml/2006/main" xmlns:c="http://schemas.openxmlformats.org/drawingml/2006/chart" xmlns:dgm="http://schemas.openxmlformats.org/drawingml/2006/diagram" xmlns:o="urn:schemas-microsoft-com:office:office" xmlns:v="urn:schemas-microsoft-com:vml" xmlns:pvml="urn:schemas-microsoft-com:office:powerpoint" xmlns:com="http://schemas.openxmlformats.org/drawingml/2006/compatibility" xmlns:p14="http://schemas.microsoft.com/office/powerpoint/2010/main" xmlns:p15="http://schemas.microsoft.com/office/powerpoint/2012/main" matchingName="Title slide" type="title">
+<p:sldLayout xmlns:a="http://schemas.openxmlformats.org/drawingml/2006/main" xmlns:r="http://schemas.openxmlformats.org/officeDocument/2006/relationships" xmlns:mc="http://schemas.openxmlformats.org/markup-compatibility/2006" xmlns:mv="urn:schemas-microsoft-com:mac:vml" xmlns:p="http://schemas.openxmlformats.org/presentationml/2006/main" xmlns:c="http://schemas.openxmlformats.org/drawingml/2006/chart" xmlns:dgm="http://schemas.openxmlformats.org/drawingml/2006/diagram" xmlns:o="urn:schemas-microsoft-com:office:office" xmlns:v="urn:schemas-microsoft-com:vml" xmlns:pvml="urn:schemas-microsoft-com:office:powerpoint" xmlns:com="http://schemas.openxmlformats.org/drawingml/2006/compatibility" xmlns:p14="http://schemas.microsoft.com/office/powerpoint/2010/main" xmlns:p15="http://schemas.microsoft.com/office/powerpoint/2012/main" xmlns:ahyp="http://schemas.microsoft.com/office/drawing/2018/hyperlinkcolor" matchingName="Title slide" type="title">
   <p:cSld name="TITLE">
     <p:spTree>
       <p:nvGrpSpPr>
@@ -2427,7 +2427,7 @@
 </file>
 
 <file path=ppt/slideLayouts/slideLayout10.xml><?xml version="1.0" encoding="utf-8"?>
-<p:sldLayout xmlns:a="http://schemas.openxmlformats.org/drawingml/2006/main" xmlns:r="http://schemas.openxmlformats.org/officeDocument/2006/relationships" xmlns:mc="http://schemas.openxmlformats.org/markup-compatibility/2006" xmlns:mv="urn:schemas-microsoft-com:mac:vml" xmlns:p="http://schemas.openxmlformats.org/presentationml/2006/main" xmlns:c="http://schemas.openxmlformats.org/drawingml/2006/chart" xmlns:dgm="http://schemas.openxmlformats.org/drawingml/2006/diagram" xmlns:o="urn:schemas-microsoft-com:office:office" xmlns:v="urn:schemas-microsoft-com:vml" xmlns:pvml="urn:schemas-microsoft-com:office:powerpoint" xmlns:com="http://schemas.openxmlformats.org/drawingml/2006/compatibility" xmlns:p14="http://schemas.microsoft.com/office/powerpoint/2010/main" xmlns:p15="http://schemas.microsoft.com/office/powerpoint/2012/main" matchingName="Big number">
+<p:sldLayout xmlns:a="http://schemas.openxmlformats.org/drawingml/2006/main" xmlns:r="http://schemas.openxmlformats.org/officeDocument/2006/relationships" xmlns:mc="http://schemas.openxmlformats.org/markup-compatibility/2006" xmlns:mv="urn:schemas-microsoft-com:mac:vml" xmlns:p="http://schemas.openxmlformats.org/presentationml/2006/main" xmlns:c="http://schemas.openxmlformats.org/drawingml/2006/chart" xmlns:dgm="http://schemas.openxmlformats.org/drawingml/2006/diagram" xmlns:o="urn:schemas-microsoft-com:office:office" xmlns:v="urn:schemas-microsoft-com:vml" xmlns:pvml="urn:schemas-microsoft-com:office:powerpoint" xmlns:com="http://schemas.openxmlformats.org/drawingml/2006/compatibility" xmlns:p14="http://schemas.microsoft.com/office/powerpoint/2010/main" xmlns:p15="http://schemas.microsoft.com/office/powerpoint/2012/main" xmlns:ahyp="http://schemas.microsoft.com/office/drawing/2018/hyperlinkcolor" matchingName="Big number">
   <p:cSld name="BIG_NUMBER">
     <p:spTree>
       <p:nvGrpSpPr>
@@ -3640,7 +3640,7 @@
 </file>
 
 <file path=ppt/slideLayouts/slideLayout11.xml><?xml version="1.0" encoding="utf-8"?>
-<p:sldLayout xmlns:a="http://schemas.openxmlformats.org/drawingml/2006/main" xmlns:r="http://schemas.openxmlformats.org/officeDocument/2006/relationships" xmlns:mc="http://schemas.openxmlformats.org/markup-compatibility/2006" xmlns:mv="urn:schemas-microsoft-com:mac:vml" xmlns:p="http://schemas.openxmlformats.org/presentationml/2006/main" xmlns:c="http://schemas.openxmlformats.org/drawingml/2006/chart" xmlns:dgm="http://schemas.openxmlformats.org/drawingml/2006/diagram" xmlns:o="urn:schemas-microsoft-com:office:office" xmlns:v="urn:schemas-microsoft-com:vml" xmlns:pvml="urn:schemas-microsoft-com:office:powerpoint" xmlns:com="http://schemas.openxmlformats.org/drawingml/2006/compatibility" xmlns:p14="http://schemas.microsoft.com/office/powerpoint/2010/main" xmlns:p15="http://schemas.microsoft.com/office/powerpoint/2012/main" matchingName="Blank" type="blank">
+<p:sldLayout xmlns:a="http://schemas.openxmlformats.org/drawingml/2006/main" xmlns:r="http://schemas.openxmlformats.org/officeDocument/2006/relationships" xmlns:mc="http://schemas.openxmlformats.org/markup-compatibility/2006" xmlns:mv="urn:schemas-microsoft-com:mac:vml" xmlns:p="http://schemas.openxmlformats.org/presentationml/2006/main" xmlns:c="http://schemas.openxmlformats.org/drawingml/2006/chart" xmlns:dgm="http://schemas.openxmlformats.org/drawingml/2006/diagram" xmlns:o="urn:schemas-microsoft-com:office:office" xmlns:v="urn:schemas-microsoft-com:vml" xmlns:pvml="urn:schemas-microsoft-com:office:powerpoint" xmlns:com="http://schemas.openxmlformats.org/drawingml/2006/compatibility" xmlns:p14="http://schemas.microsoft.com/office/powerpoint/2010/main" xmlns:p15="http://schemas.microsoft.com/office/powerpoint/2012/main" xmlns:ahyp="http://schemas.microsoft.com/office/drawing/2018/hyperlinkcolor" matchingName="Blank" type="blank">
   <p:cSld name="BLANK">
     <p:spTree>
       <p:nvGrpSpPr>
@@ -3742,7 +3742,7 @@
 </file>
 
 <file path=ppt/slideLayouts/slideLayout2.xml><?xml version="1.0" encoding="utf-8"?>
-<p:sldLayout xmlns:a="http://schemas.openxmlformats.org/drawingml/2006/main" xmlns:r="http://schemas.openxmlformats.org/officeDocument/2006/relationships" xmlns:mc="http://schemas.openxmlformats.org/markup-compatibility/2006" xmlns:mv="urn:schemas-microsoft-com:mac:vml" xmlns:p="http://schemas.openxmlformats.org/presentationml/2006/main" xmlns:c="http://schemas.openxmlformats.org/drawingml/2006/chart" xmlns:dgm="http://schemas.openxmlformats.org/drawingml/2006/diagram" xmlns:o="urn:schemas-microsoft-com:office:office" xmlns:v="urn:schemas-microsoft-com:vml" xmlns:pvml="urn:schemas-microsoft-com:office:powerpoint" xmlns:com="http://schemas.openxmlformats.org/drawingml/2006/compatibility" xmlns:p14="http://schemas.microsoft.com/office/powerpoint/2010/main" xmlns:p15="http://schemas.microsoft.com/office/powerpoint/2012/main" matchingName="Section header" type="secHead">
+<p:sldLayout xmlns:a="http://schemas.openxmlformats.org/drawingml/2006/main" xmlns:r="http://schemas.openxmlformats.org/officeDocument/2006/relationships" xmlns:mc="http://schemas.openxmlformats.org/markup-compatibility/2006" xmlns:mv="urn:schemas-microsoft-com:mac:vml" xmlns:p="http://schemas.openxmlformats.org/presentationml/2006/main" xmlns:c="http://schemas.openxmlformats.org/drawingml/2006/chart" xmlns:dgm="http://schemas.openxmlformats.org/drawingml/2006/diagram" xmlns:o="urn:schemas-microsoft-com:office:office" xmlns:v="urn:schemas-microsoft-com:vml" xmlns:pvml="urn:schemas-microsoft-com:office:powerpoint" xmlns:com="http://schemas.openxmlformats.org/drawingml/2006/compatibility" xmlns:p14="http://schemas.microsoft.com/office/powerpoint/2010/main" xmlns:p15="http://schemas.microsoft.com/office/powerpoint/2012/main" xmlns:ahyp="http://schemas.microsoft.com/office/drawing/2018/hyperlinkcolor" matchingName="Section header" type="secHead">
   <p:cSld name="SECTION_HEADER">
     <p:spTree>
       <p:nvGrpSpPr>
@@ -4826,7 +4826,7 @@
 </file>
 
 <file path=ppt/slideLayouts/slideLayout3.xml><?xml version="1.0" encoding="utf-8"?>
-<p:sldLayout xmlns:a="http://schemas.openxmlformats.org/drawingml/2006/main" xmlns:r="http://schemas.openxmlformats.org/officeDocument/2006/relationships" xmlns:mc="http://schemas.openxmlformats.org/markup-compatibility/2006" xmlns:mv="urn:schemas-microsoft-com:mac:vml" xmlns:p="http://schemas.openxmlformats.org/presentationml/2006/main" xmlns:c="http://schemas.openxmlformats.org/drawingml/2006/chart" xmlns:dgm="http://schemas.openxmlformats.org/drawingml/2006/diagram" xmlns:o="urn:schemas-microsoft-com:office:office" xmlns:v="urn:schemas-microsoft-com:vml" xmlns:pvml="urn:schemas-microsoft-com:office:powerpoint" xmlns:com="http://schemas.openxmlformats.org/drawingml/2006/compatibility" xmlns:p14="http://schemas.microsoft.com/office/powerpoint/2010/main" xmlns:p15="http://schemas.microsoft.com/office/powerpoint/2012/main" matchingName="Title and body" type="tx">
+<p:sldLayout xmlns:a="http://schemas.openxmlformats.org/drawingml/2006/main" xmlns:r="http://schemas.openxmlformats.org/officeDocument/2006/relationships" xmlns:mc="http://schemas.openxmlformats.org/markup-compatibility/2006" xmlns:mv="urn:schemas-microsoft-com:mac:vml" xmlns:p="http://schemas.openxmlformats.org/presentationml/2006/main" xmlns:c="http://schemas.openxmlformats.org/drawingml/2006/chart" xmlns:dgm="http://schemas.openxmlformats.org/drawingml/2006/diagram" xmlns:o="urn:schemas-microsoft-com:office:office" xmlns:v="urn:schemas-microsoft-com:vml" xmlns:pvml="urn:schemas-microsoft-com:office:powerpoint" xmlns:com="http://schemas.openxmlformats.org/drawingml/2006/compatibility" xmlns:p14="http://schemas.microsoft.com/office/powerpoint/2010/main" xmlns:p15="http://schemas.microsoft.com/office/powerpoint/2012/main" xmlns:ahyp="http://schemas.microsoft.com/office/drawing/2018/hyperlinkcolor" matchingName="Title and body" type="tx">
   <p:cSld name="TITLE_AND_BODY">
     <p:spTree>
       <p:nvGrpSpPr>
@@ -5283,7 +5283,7 @@
 </file>
 
 <file path=ppt/slideLayouts/slideLayout4.xml><?xml version="1.0" encoding="utf-8"?>
-<p:sldLayout xmlns:a="http://schemas.openxmlformats.org/drawingml/2006/main" xmlns:r="http://schemas.openxmlformats.org/officeDocument/2006/relationships" xmlns:mc="http://schemas.openxmlformats.org/markup-compatibility/2006" xmlns:mv="urn:schemas-microsoft-com:mac:vml" xmlns:p="http://schemas.openxmlformats.org/presentationml/2006/main" xmlns:c="http://schemas.openxmlformats.org/drawingml/2006/chart" xmlns:dgm="http://schemas.openxmlformats.org/drawingml/2006/diagram" xmlns:o="urn:schemas-microsoft-com:office:office" xmlns:v="urn:schemas-microsoft-com:vml" xmlns:pvml="urn:schemas-microsoft-com:office:powerpoint" xmlns:com="http://schemas.openxmlformats.org/drawingml/2006/compatibility" xmlns:p14="http://schemas.microsoft.com/office/powerpoint/2010/main" xmlns:p15="http://schemas.microsoft.com/office/powerpoint/2012/main" matchingName="Title and two columns" type="twoColTx">
+<p:sldLayout xmlns:a="http://schemas.openxmlformats.org/drawingml/2006/main" xmlns:r="http://schemas.openxmlformats.org/officeDocument/2006/relationships" xmlns:mc="http://schemas.openxmlformats.org/markup-compatibility/2006" xmlns:mv="urn:schemas-microsoft-com:mac:vml" xmlns:p="http://schemas.openxmlformats.org/presentationml/2006/main" xmlns:c="http://schemas.openxmlformats.org/drawingml/2006/chart" xmlns:dgm="http://schemas.openxmlformats.org/drawingml/2006/diagram" xmlns:o="urn:schemas-microsoft-com:office:office" xmlns:v="urn:schemas-microsoft-com:vml" xmlns:pvml="urn:schemas-microsoft-com:office:powerpoint" xmlns:com="http://schemas.openxmlformats.org/drawingml/2006/compatibility" xmlns:p14="http://schemas.microsoft.com/office/powerpoint/2010/main" xmlns:p15="http://schemas.microsoft.com/office/powerpoint/2012/main" xmlns:ahyp="http://schemas.microsoft.com/office/drawing/2018/hyperlinkcolor" matchingName="Title and two columns" type="twoColTx">
   <p:cSld name="TITLE_AND_TWO_COLUMNS">
     <p:spTree>
       <p:nvGrpSpPr>
@@ -5865,7 +5865,7 @@
 </file>
 
 <file path=ppt/slideLayouts/slideLayout5.xml><?xml version="1.0" encoding="utf-8"?>
-<p:sldLayout xmlns:a="http://schemas.openxmlformats.org/drawingml/2006/main" xmlns:r="http://schemas.openxmlformats.org/officeDocument/2006/relationships" xmlns:mc="http://schemas.openxmlformats.org/markup-compatibility/2006" xmlns:mv="urn:schemas-microsoft-com:mac:vml" xmlns:p="http://schemas.openxmlformats.org/presentationml/2006/main" xmlns:c="http://schemas.openxmlformats.org/drawingml/2006/chart" xmlns:dgm="http://schemas.openxmlformats.org/drawingml/2006/diagram" xmlns:o="urn:schemas-microsoft-com:office:office" xmlns:v="urn:schemas-microsoft-com:vml" xmlns:pvml="urn:schemas-microsoft-com:office:powerpoint" xmlns:com="http://schemas.openxmlformats.org/drawingml/2006/compatibility" xmlns:p14="http://schemas.microsoft.com/office/powerpoint/2010/main" xmlns:p15="http://schemas.microsoft.com/office/powerpoint/2012/main" matchingName="Title only" type="titleOnly">
+<p:sldLayout xmlns:a="http://schemas.openxmlformats.org/drawingml/2006/main" xmlns:r="http://schemas.openxmlformats.org/officeDocument/2006/relationships" xmlns:mc="http://schemas.openxmlformats.org/markup-compatibility/2006" xmlns:mv="urn:schemas-microsoft-com:mac:vml" xmlns:p="http://schemas.openxmlformats.org/presentationml/2006/main" xmlns:c="http://schemas.openxmlformats.org/drawingml/2006/chart" xmlns:dgm="http://schemas.openxmlformats.org/drawingml/2006/diagram" xmlns:o="urn:schemas-microsoft-com:office:office" xmlns:v="urn:schemas-microsoft-com:vml" xmlns:pvml="urn:schemas-microsoft-com:office:powerpoint" xmlns:com="http://schemas.openxmlformats.org/drawingml/2006/compatibility" xmlns:p14="http://schemas.microsoft.com/office/powerpoint/2010/main" xmlns:p15="http://schemas.microsoft.com/office/powerpoint/2012/main" xmlns:ahyp="http://schemas.microsoft.com/office/drawing/2018/hyperlinkcolor" matchingName="Title only" type="titleOnly">
   <p:cSld name="TITLE_ONLY">
     <p:spTree>
       <p:nvGrpSpPr>
@@ -6197,7 +6197,7 @@
 </file>
 
 <file path=ppt/slideLayouts/slideLayout6.xml><?xml version="1.0" encoding="utf-8"?>
-<p:sldLayout xmlns:a="http://schemas.openxmlformats.org/drawingml/2006/main" xmlns:r="http://schemas.openxmlformats.org/officeDocument/2006/relationships" xmlns:mc="http://schemas.openxmlformats.org/markup-compatibility/2006" xmlns:mv="urn:schemas-microsoft-com:mac:vml" xmlns:p="http://schemas.openxmlformats.org/presentationml/2006/main" xmlns:c="http://schemas.openxmlformats.org/drawingml/2006/chart" xmlns:dgm="http://schemas.openxmlformats.org/drawingml/2006/diagram" xmlns:o="urn:schemas-microsoft-com:office:office" xmlns:v="urn:schemas-microsoft-com:vml" xmlns:pvml="urn:schemas-microsoft-com:office:powerpoint" xmlns:com="http://schemas.openxmlformats.org/drawingml/2006/compatibility" xmlns:p14="http://schemas.microsoft.com/office/powerpoint/2010/main" xmlns:p15="http://schemas.microsoft.com/office/powerpoint/2012/main" matchingName="One column text">
+<p:sldLayout xmlns:a="http://schemas.openxmlformats.org/drawingml/2006/main" xmlns:r="http://schemas.openxmlformats.org/officeDocument/2006/relationships" xmlns:mc="http://schemas.openxmlformats.org/markup-compatibility/2006" xmlns:mv="urn:schemas-microsoft-com:mac:vml" xmlns:p="http://schemas.openxmlformats.org/presentationml/2006/main" xmlns:c="http://schemas.openxmlformats.org/drawingml/2006/chart" xmlns:dgm="http://schemas.openxmlformats.org/drawingml/2006/diagram" xmlns:o="urn:schemas-microsoft-com:office:office" xmlns:v="urn:schemas-microsoft-com:vml" xmlns:pvml="urn:schemas-microsoft-com:office:powerpoint" xmlns:com="http://schemas.openxmlformats.org/drawingml/2006/compatibility" xmlns:p14="http://schemas.microsoft.com/office/powerpoint/2010/main" xmlns:p15="http://schemas.microsoft.com/office/powerpoint/2012/main" xmlns:ahyp="http://schemas.microsoft.com/office/drawing/2018/hyperlinkcolor" matchingName="One column text">
   <p:cSld name="ONE_COLUMN_TEXT">
     <p:spTree>
       <p:nvGrpSpPr>
@@ -6654,7 +6654,7 @@
 </file>
 
 <file path=ppt/slideLayouts/slideLayout7.xml><?xml version="1.0" encoding="utf-8"?>
-<p:sldLayout xmlns:a="http://schemas.openxmlformats.org/drawingml/2006/main" xmlns:r="http://schemas.openxmlformats.org/officeDocument/2006/relationships" xmlns:mc="http://schemas.openxmlformats.org/markup-compatibility/2006" xmlns:mv="urn:schemas-microsoft-com:mac:vml" xmlns:p="http://schemas.openxmlformats.org/presentationml/2006/main" xmlns:c="http://schemas.openxmlformats.org/drawingml/2006/chart" xmlns:dgm="http://schemas.openxmlformats.org/drawingml/2006/diagram" xmlns:o="urn:schemas-microsoft-com:office:office" xmlns:v="urn:schemas-microsoft-com:vml" xmlns:pvml="urn:schemas-microsoft-com:office:powerpoint" xmlns:com="http://schemas.openxmlformats.org/drawingml/2006/compatibility" xmlns:p14="http://schemas.microsoft.com/office/powerpoint/2010/main" xmlns:p15="http://schemas.microsoft.com/office/powerpoint/2012/main" matchingName="Main point">
+<p:sldLayout xmlns:a="http://schemas.openxmlformats.org/drawingml/2006/main" xmlns:r="http://schemas.openxmlformats.org/officeDocument/2006/relationships" xmlns:mc="http://schemas.openxmlformats.org/markup-compatibility/2006" xmlns:mv="urn:schemas-microsoft-com:mac:vml" xmlns:p="http://schemas.openxmlformats.org/presentationml/2006/main" xmlns:c="http://schemas.openxmlformats.org/drawingml/2006/chart" xmlns:dgm="http://schemas.openxmlformats.org/drawingml/2006/diagram" xmlns:o="urn:schemas-microsoft-com:office:office" xmlns:v="urn:schemas-microsoft-com:vml" xmlns:pvml="urn:schemas-microsoft-com:office:powerpoint" xmlns:com="http://schemas.openxmlformats.org/drawingml/2006/compatibility" xmlns:p14="http://schemas.microsoft.com/office/powerpoint/2010/main" xmlns:p15="http://schemas.microsoft.com/office/powerpoint/2012/main" xmlns:ahyp="http://schemas.microsoft.com/office/drawing/2018/hyperlinkcolor" matchingName="Main point">
   <p:cSld name="MAIN_POINT">
     <p:spTree>
       <p:nvGrpSpPr>
@@ -7738,7 +7738,7 @@
 </file>
 
 <file path=ppt/slideLayouts/slideLayout8.xml><?xml version="1.0" encoding="utf-8"?>
-<p:sldLayout xmlns:a="http://schemas.openxmlformats.org/drawingml/2006/main" xmlns:r="http://schemas.openxmlformats.org/officeDocument/2006/relationships" xmlns:mc="http://schemas.openxmlformats.org/markup-compatibility/2006" xmlns:mv="urn:schemas-microsoft-com:mac:vml" xmlns:p="http://schemas.openxmlformats.org/presentationml/2006/main" xmlns:c="http://schemas.openxmlformats.org/drawingml/2006/chart" xmlns:dgm="http://schemas.openxmlformats.org/drawingml/2006/diagram" xmlns:o="urn:schemas-microsoft-com:office:office" xmlns:v="urn:schemas-microsoft-com:vml" xmlns:pvml="urn:schemas-microsoft-com:office:powerpoint" xmlns:com="http://schemas.openxmlformats.org/drawingml/2006/compatibility" xmlns:p14="http://schemas.microsoft.com/office/powerpoint/2010/main" xmlns:p15="http://schemas.microsoft.com/office/powerpoint/2012/main" matchingName="Section title and description">
+<p:sldLayout xmlns:a="http://schemas.openxmlformats.org/drawingml/2006/main" xmlns:r="http://schemas.openxmlformats.org/officeDocument/2006/relationships" xmlns:mc="http://schemas.openxmlformats.org/markup-compatibility/2006" xmlns:mv="urn:schemas-microsoft-com:mac:vml" xmlns:p="http://schemas.openxmlformats.org/presentationml/2006/main" xmlns:c="http://schemas.openxmlformats.org/drawingml/2006/chart" xmlns:dgm="http://schemas.openxmlformats.org/drawingml/2006/diagram" xmlns:o="urn:schemas-microsoft-com:office:office" xmlns:v="urn:schemas-microsoft-com:vml" xmlns:pvml="urn:schemas-microsoft-com:office:powerpoint" xmlns:com="http://schemas.openxmlformats.org/drawingml/2006/compatibility" xmlns:p14="http://schemas.microsoft.com/office/powerpoint/2010/main" xmlns:p15="http://schemas.microsoft.com/office/powerpoint/2012/main" xmlns:ahyp="http://schemas.microsoft.com/office/drawing/2018/hyperlinkcolor" matchingName="Section title and description">
   <p:cSld name="SECTION_TITLE_AND_DESCRIPTION">
     <p:spTree>
       <p:nvGrpSpPr>
@@ -8347,7 +8347,7 @@
 </file>
 
 <file path=ppt/slideLayouts/slideLayout9.xml><?xml version="1.0" encoding="utf-8"?>
-<p:sldLayout xmlns:a="http://schemas.openxmlformats.org/drawingml/2006/main" xmlns:r="http://schemas.openxmlformats.org/officeDocument/2006/relationships" xmlns:mc="http://schemas.openxmlformats.org/markup-compatibility/2006" xmlns:mv="urn:schemas-microsoft-com:mac:vml" xmlns:p="http://schemas.openxmlformats.org/presentationml/2006/main" xmlns:c="http://schemas.openxmlformats.org/drawingml/2006/chart" xmlns:dgm="http://schemas.openxmlformats.org/drawingml/2006/diagram" xmlns:o="urn:schemas-microsoft-com:office:office" xmlns:v="urn:schemas-microsoft-com:vml" xmlns:pvml="urn:schemas-microsoft-com:office:powerpoint" xmlns:com="http://schemas.openxmlformats.org/drawingml/2006/compatibility" xmlns:p14="http://schemas.microsoft.com/office/powerpoint/2010/main" xmlns:p15="http://schemas.microsoft.com/office/powerpoint/2012/main" matchingName="Caption">
+<p:sldLayout xmlns:a="http://schemas.openxmlformats.org/drawingml/2006/main" xmlns:r="http://schemas.openxmlformats.org/officeDocument/2006/relationships" xmlns:mc="http://schemas.openxmlformats.org/markup-compatibility/2006" xmlns:mv="urn:schemas-microsoft-com:mac:vml" xmlns:p="http://schemas.openxmlformats.org/presentationml/2006/main" xmlns:c="http://schemas.openxmlformats.org/drawingml/2006/chart" xmlns:dgm="http://schemas.openxmlformats.org/drawingml/2006/diagram" xmlns:o="urn:schemas-microsoft-com:office:office" xmlns:v="urn:schemas-microsoft-com:vml" xmlns:pvml="urn:schemas-microsoft-com:office:powerpoint" xmlns:com="http://schemas.openxmlformats.org/drawingml/2006/compatibility" xmlns:p14="http://schemas.microsoft.com/office/powerpoint/2010/main" xmlns:p15="http://schemas.microsoft.com/office/powerpoint/2012/main" xmlns:ahyp="http://schemas.microsoft.com/office/drawing/2018/hyperlinkcolor" matchingName="Caption">
   <p:cSld name="CAPTION_ONLY">
     <p:spTree>
       <p:nvGrpSpPr>
@@ -8598,7 +8598,7 @@
 </file>
 
 <file path=ppt/slideMasters/slideMaster1.xml><?xml version="1.0" encoding="utf-8"?>
-<p:sldMaster xmlns:a="http://schemas.openxmlformats.org/drawingml/2006/main" xmlns:r="http://schemas.openxmlformats.org/officeDocument/2006/relationships" xmlns:mc="http://schemas.openxmlformats.org/markup-compatibility/2006" xmlns:mv="urn:schemas-microsoft-com:mac:vml" xmlns:p="http://schemas.openxmlformats.org/presentationml/2006/main" xmlns:c="http://schemas.openxmlformats.org/drawingml/2006/chart" xmlns:dgm="http://schemas.openxmlformats.org/drawingml/2006/diagram" xmlns:o="urn:schemas-microsoft-com:office:office" xmlns:v="urn:schemas-microsoft-com:vml" xmlns:pvml="urn:schemas-microsoft-com:office:powerpoint" xmlns:com="http://schemas.openxmlformats.org/drawingml/2006/compatibility" xmlns:p14="http://schemas.microsoft.com/office/powerpoint/2010/main" xmlns:p15="http://schemas.microsoft.com/office/powerpoint/2012/main">
+<p:sldMaster xmlns:a="http://schemas.openxmlformats.org/drawingml/2006/main" xmlns:r="http://schemas.openxmlformats.org/officeDocument/2006/relationships" xmlns:mc="http://schemas.openxmlformats.org/markup-compatibility/2006" xmlns:mv="urn:schemas-microsoft-com:mac:vml" xmlns:p="http://schemas.openxmlformats.org/presentationml/2006/main" xmlns:c="http://schemas.openxmlformats.org/drawingml/2006/chart" xmlns:dgm="http://schemas.openxmlformats.org/drawingml/2006/diagram" xmlns:o="urn:schemas-microsoft-com:office:office" xmlns:v="urn:schemas-microsoft-com:vml" xmlns:pvml="urn:schemas-microsoft-com:office:powerpoint" xmlns:com="http://schemas.openxmlformats.org/drawingml/2006/compatibility" xmlns:p14="http://schemas.microsoft.com/office/powerpoint/2010/main" xmlns:p15="http://schemas.microsoft.com/office/powerpoint/2012/main" xmlns:ahyp="http://schemas.microsoft.com/office/drawing/2018/hyperlinkcolor">
   <p:cSld name="focus">
     <p:bg>
       <p:bgPr>
@@ -9985,7 +9985,7 @@
 </file>
 
 <file path=ppt/slides/slide1.xml><?xml version="1.0" encoding="utf-8"?>
-<p:sld xmlns:a="http://schemas.openxmlformats.org/drawingml/2006/main" xmlns:r="http://schemas.openxmlformats.org/officeDocument/2006/relationships" xmlns:mc="http://schemas.openxmlformats.org/markup-compatibility/2006" xmlns:mv="urn:schemas-microsoft-com:mac:vml" xmlns:p="http://schemas.openxmlformats.org/presentationml/2006/main" xmlns:c="http://schemas.openxmlformats.org/drawingml/2006/chart" xmlns:dgm="http://schemas.openxmlformats.org/drawingml/2006/diagram" xmlns:o="urn:schemas-microsoft-com:office:office" xmlns:v="urn:schemas-microsoft-com:vml" xmlns:pvml="urn:schemas-microsoft-com:office:powerpoint" xmlns:com="http://schemas.openxmlformats.org/drawingml/2006/compatibility" xmlns:p14="http://schemas.microsoft.com/office/powerpoint/2010/main" xmlns:p15="http://schemas.microsoft.com/office/powerpoint/2012/main">
+<p:sld xmlns:a="http://schemas.openxmlformats.org/drawingml/2006/main" xmlns:r="http://schemas.openxmlformats.org/officeDocument/2006/relationships" xmlns:mc="http://schemas.openxmlformats.org/markup-compatibility/2006" xmlns:mv="urn:schemas-microsoft-com:mac:vml" xmlns:p="http://schemas.openxmlformats.org/presentationml/2006/main" xmlns:c="http://schemas.openxmlformats.org/drawingml/2006/chart" xmlns:dgm="http://schemas.openxmlformats.org/drawingml/2006/diagram" xmlns:o="urn:schemas-microsoft-com:office:office" xmlns:v="urn:schemas-microsoft-com:vml" xmlns:pvml="urn:schemas-microsoft-com:office:powerpoint" xmlns:com="http://schemas.openxmlformats.org/drawingml/2006/compatibility" xmlns:p14="http://schemas.microsoft.com/office/powerpoint/2010/main" xmlns:p15="http://schemas.microsoft.com/office/powerpoint/2012/main" xmlns:ahyp="http://schemas.microsoft.com/office/drawing/2018/hyperlinkcolor">
   <p:cSld>
     <p:spTree>
       <p:nvGrpSpPr>
@@ -10106,7 +10106,7 @@
 </file>
 
 <file path=ppt/slides/slide10.xml><?xml version="1.0" encoding="utf-8"?>
-<p:sld xmlns:a="http://schemas.openxmlformats.org/drawingml/2006/main" xmlns:r="http://schemas.openxmlformats.org/officeDocument/2006/relationships" xmlns:mc="http://schemas.openxmlformats.org/markup-compatibility/2006" xmlns:mv="urn:schemas-microsoft-com:mac:vml" xmlns:p="http://schemas.openxmlformats.org/presentationml/2006/main" xmlns:c="http://schemas.openxmlformats.org/drawingml/2006/chart" xmlns:dgm="http://schemas.openxmlformats.org/drawingml/2006/diagram" xmlns:o="urn:schemas-microsoft-com:office:office" xmlns:v="urn:schemas-microsoft-com:vml" xmlns:pvml="urn:schemas-microsoft-com:office:powerpoint" xmlns:com="http://schemas.openxmlformats.org/drawingml/2006/compatibility" xmlns:p14="http://schemas.microsoft.com/office/powerpoint/2010/main" xmlns:p15="http://schemas.microsoft.com/office/powerpoint/2012/main">
+<p:sld xmlns:a="http://schemas.openxmlformats.org/drawingml/2006/main" xmlns:r="http://schemas.openxmlformats.org/officeDocument/2006/relationships" xmlns:mc="http://schemas.openxmlformats.org/markup-compatibility/2006" xmlns:mv="urn:schemas-microsoft-com:mac:vml" xmlns:p="http://schemas.openxmlformats.org/presentationml/2006/main" xmlns:c="http://schemas.openxmlformats.org/drawingml/2006/chart" xmlns:dgm="http://schemas.openxmlformats.org/drawingml/2006/diagram" xmlns:o="urn:schemas-microsoft-com:office:office" xmlns:v="urn:schemas-microsoft-com:vml" xmlns:pvml="urn:schemas-microsoft-com:office:powerpoint" xmlns:com="http://schemas.openxmlformats.org/drawingml/2006/compatibility" xmlns:p14="http://schemas.microsoft.com/office/powerpoint/2010/main" xmlns:p15="http://schemas.microsoft.com/office/powerpoint/2012/main" xmlns:ahyp="http://schemas.microsoft.com/office/drawing/2018/hyperlinkcolor">
   <p:cSld>
     <p:spTree>
       <p:nvGrpSpPr>
@@ -10270,7 +10270,7 @@
 </file>
 
 <file path=ppt/slides/slide11.xml><?xml version="1.0" encoding="utf-8"?>
-<p:sld xmlns:a="http://schemas.openxmlformats.org/drawingml/2006/main" xmlns:r="http://schemas.openxmlformats.org/officeDocument/2006/relationships" xmlns:mc="http://schemas.openxmlformats.org/markup-compatibility/2006" xmlns:mv="urn:schemas-microsoft-com:mac:vml" xmlns:p="http://schemas.openxmlformats.org/presentationml/2006/main" xmlns:c="http://schemas.openxmlformats.org/drawingml/2006/chart" xmlns:dgm="http://schemas.openxmlformats.org/drawingml/2006/diagram" xmlns:o="urn:schemas-microsoft-com:office:office" xmlns:v="urn:schemas-microsoft-com:vml" xmlns:pvml="urn:schemas-microsoft-com:office:powerpoint" xmlns:com="http://schemas.openxmlformats.org/drawingml/2006/compatibility" xmlns:p14="http://schemas.microsoft.com/office/powerpoint/2010/main" xmlns:p15="http://schemas.microsoft.com/office/powerpoint/2012/main">
+<p:sld xmlns:a="http://schemas.openxmlformats.org/drawingml/2006/main" xmlns:r="http://schemas.openxmlformats.org/officeDocument/2006/relationships" xmlns:mc="http://schemas.openxmlformats.org/markup-compatibility/2006" xmlns:mv="urn:schemas-microsoft-com:mac:vml" xmlns:p="http://schemas.openxmlformats.org/presentationml/2006/main" xmlns:c="http://schemas.openxmlformats.org/drawingml/2006/chart" xmlns:dgm="http://schemas.openxmlformats.org/drawingml/2006/diagram" xmlns:o="urn:schemas-microsoft-com:office:office" xmlns:v="urn:schemas-microsoft-com:vml" xmlns:pvml="urn:schemas-microsoft-com:office:powerpoint" xmlns:com="http://schemas.openxmlformats.org/drawingml/2006/compatibility" xmlns:p14="http://schemas.microsoft.com/office/powerpoint/2010/main" xmlns:p15="http://schemas.microsoft.com/office/powerpoint/2012/main" xmlns:ahyp="http://schemas.microsoft.com/office/drawing/2018/hyperlinkcolor">
   <p:cSld>
     <p:spTree>
       <p:nvGrpSpPr>
@@ -10402,7 +10402,7 @@
 </file>
 
 <file path=ppt/slides/slide2.xml><?xml version="1.0" encoding="utf-8"?>
-<p:sld xmlns:a="http://schemas.openxmlformats.org/drawingml/2006/main" xmlns:r="http://schemas.openxmlformats.org/officeDocument/2006/relationships" xmlns:mc="http://schemas.openxmlformats.org/markup-compatibility/2006" xmlns:mv="urn:schemas-microsoft-com:mac:vml" xmlns:p="http://schemas.openxmlformats.org/presentationml/2006/main" xmlns:c="http://schemas.openxmlformats.org/drawingml/2006/chart" xmlns:dgm="http://schemas.openxmlformats.org/drawingml/2006/diagram" xmlns:o="urn:schemas-microsoft-com:office:office" xmlns:v="urn:schemas-microsoft-com:vml" xmlns:pvml="urn:schemas-microsoft-com:office:powerpoint" xmlns:com="http://schemas.openxmlformats.org/drawingml/2006/compatibility" xmlns:p14="http://schemas.microsoft.com/office/powerpoint/2010/main" xmlns:p15="http://schemas.microsoft.com/office/powerpoint/2012/main">
+<p:sld xmlns:a="http://schemas.openxmlformats.org/drawingml/2006/main" xmlns:r="http://schemas.openxmlformats.org/officeDocument/2006/relationships" xmlns:mc="http://schemas.openxmlformats.org/markup-compatibility/2006" xmlns:mv="urn:schemas-microsoft-com:mac:vml" xmlns:p="http://schemas.openxmlformats.org/presentationml/2006/main" xmlns:c="http://schemas.openxmlformats.org/drawingml/2006/chart" xmlns:dgm="http://schemas.openxmlformats.org/drawingml/2006/diagram" xmlns:o="urn:schemas-microsoft-com:office:office" xmlns:v="urn:schemas-microsoft-com:vml" xmlns:pvml="urn:schemas-microsoft-com:office:powerpoint" xmlns:com="http://schemas.openxmlformats.org/drawingml/2006/compatibility" xmlns:p14="http://schemas.microsoft.com/office/powerpoint/2010/main" xmlns:p15="http://schemas.microsoft.com/office/powerpoint/2012/main" xmlns:ahyp="http://schemas.microsoft.com/office/drawing/2018/hyperlinkcolor">
   <p:cSld>
     <p:spTree>
       <p:nvGrpSpPr>
@@ -10593,7 +10593,7 @@
 </file>
 
 <file path=ppt/slides/slide3.xml><?xml version="1.0" encoding="utf-8"?>
-<p:sld xmlns:a="http://schemas.openxmlformats.org/drawingml/2006/main" xmlns:r="http://schemas.openxmlformats.org/officeDocument/2006/relationships" xmlns:mc="http://schemas.openxmlformats.org/markup-compatibility/2006" xmlns:mv="urn:schemas-microsoft-com:mac:vml" xmlns:p="http://schemas.openxmlformats.org/presentationml/2006/main" xmlns:c="http://schemas.openxmlformats.org/drawingml/2006/chart" xmlns:dgm="http://schemas.openxmlformats.org/drawingml/2006/diagram" xmlns:o="urn:schemas-microsoft-com:office:office" xmlns:v="urn:schemas-microsoft-com:vml" xmlns:pvml="urn:schemas-microsoft-com:office:powerpoint" xmlns:com="http://schemas.openxmlformats.org/drawingml/2006/compatibility" xmlns:p14="http://schemas.microsoft.com/office/powerpoint/2010/main" xmlns:p15="http://schemas.microsoft.com/office/powerpoint/2012/main">
+<p:sld xmlns:a="http://schemas.openxmlformats.org/drawingml/2006/main" xmlns:r="http://schemas.openxmlformats.org/officeDocument/2006/relationships" xmlns:mc="http://schemas.openxmlformats.org/markup-compatibility/2006" xmlns:mv="urn:schemas-microsoft-com:mac:vml" xmlns:p="http://schemas.openxmlformats.org/presentationml/2006/main" xmlns:c="http://schemas.openxmlformats.org/drawingml/2006/chart" xmlns:dgm="http://schemas.openxmlformats.org/drawingml/2006/diagram" xmlns:o="urn:schemas-microsoft-com:office:office" xmlns:v="urn:schemas-microsoft-com:vml" xmlns:pvml="urn:schemas-microsoft-com:office:powerpoint" xmlns:com="http://schemas.openxmlformats.org/drawingml/2006/compatibility" xmlns:p14="http://schemas.microsoft.com/office/powerpoint/2010/main" xmlns:p15="http://schemas.microsoft.com/office/powerpoint/2012/main" xmlns:ahyp="http://schemas.microsoft.com/office/drawing/2018/hyperlinkcolor">
   <p:cSld>
     <p:spTree>
       <p:nvGrpSpPr>
@@ -10823,7 +10823,7 @@
 </file>
 
 <file path=ppt/slides/slide4.xml><?xml version="1.0" encoding="utf-8"?>
-<p:sld xmlns:a="http://schemas.openxmlformats.org/drawingml/2006/main" xmlns:r="http://schemas.openxmlformats.org/officeDocument/2006/relationships" xmlns:mc="http://schemas.openxmlformats.org/markup-compatibility/2006" xmlns:mv="urn:schemas-microsoft-com:mac:vml" xmlns:p="http://schemas.openxmlformats.org/presentationml/2006/main" xmlns:c="http://schemas.openxmlformats.org/drawingml/2006/chart" xmlns:dgm="http://schemas.openxmlformats.org/drawingml/2006/diagram" xmlns:o="urn:schemas-microsoft-com:office:office" xmlns:v="urn:schemas-microsoft-com:vml" xmlns:pvml="urn:schemas-microsoft-com:office:powerpoint" xmlns:com="http://schemas.openxmlformats.org/drawingml/2006/compatibility" xmlns:p14="http://schemas.microsoft.com/office/powerpoint/2010/main" xmlns:p15="http://schemas.microsoft.com/office/powerpoint/2012/main">
+<p:sld xmlns:a="http://schemas.openxmlformats.org/drawingml/2006/main" xmlns:r="http://schemas.openxmlformats.org/officeDocument/2006/relationships" xmlns:mc="http://schemas.openxmlformats.org/markup-compatibility/2006" xmlns:mv="urn:schemas-microsoft-com:mac:vml" xmlns:p="http://schemas.openxmlformats.org/presentationml/2006/main" xmlns:c="http://schemas.openxmlformats.org/drawingml/2006/chart" xmlns:dgm="http://schemas.openxmlformats.org/drawingml/2006/diagram" xmlns:o="urn:schemas-microsoft-com:office:office" xmlns:v="urn:schemas-microsoft-com:vml" xmlns:pvml="urn:schemas-microsoft-com:office:powerpoint" xmlns:com="http://schemas.openxmlformats.org/drawingml/2006/compatibility" xmlns:p14="http://schemas.microsoft.com/office/powerpoint/2010/main" xmlns:p15="http://schemas.microsoft.com/office/powerpoint/2012/main" xmlns:ahyp="http://schemas.microsoft.com/office/drawing/2018/hyperlinkcolor">
   <p:cSld>
     <p:spTree>
       <p:nvGrpSpPr>
@@ -11059,7 +11059,7 @@
 </file>
 
 <file path=ppt/slides/slide5.xml><?xml version="1.0" encoding="utf-8"?>
-<p:sld xmlns:a="http://schemas.openxmlformats.org/drawingml/2006/main" xmlns:r="http://schemas.openxmlformats.org/officeDocument/2006/relationships" xmlns:mc="http://schemas.openxmlformats.org/markup-compatibility/2006" xmlns:mv="urn:schemas-microsoft-com:mac:vml" xmlns:p="http://schemas.openxmlformats.org/presentationml/2006/main" xmlns:c="http://schemas.openxmlformats.org/drawingml/2006/chart" xmlns:dgm="http://schemas.openxmlformats.org/drawingml/2006/diagram" xmlns:o="urn:schemas-microsoft-com:office:office" xmlns:v="urn:schemas-microsoft-com:vml" xmlns:pvml="urn:schemas-microsoft-com:office:powerpoint" xmlns:com="http://schemas.openxmlformats.org/drawingml/2006/compatibility" xmlns:p14="http://schemas.microsoft.com/office/powerpoint/2010/main" xmlns:p15="http://schemas.microsoft.com/office/powerpoint/2012/main">
+<p:sld xmlns:a="http://schemas.openxmlformats.org/drawingml/2006/main" xmlns:r="http://schemas.openxmlformats.org/officeDocument/2006/relationships" xmlns:mc="http://schemas.openxmlformats.org/markup-compatibility/2006" xmlns:mv="urn:schemas-microsoft-com:mac:vml" xmlns:p="http://schemas.openxmlformats.org/presentationml/2006/main" xmlns:c="http://schemas.openxmlformats.org/drawingml/2006/chart" xmlns:dgm="http://schemas.openxmlformats.org/drawingml/2006/diagram" xmlns:o="urn:schemas-microsoft-com:office:office" xmlns:v="urn:schemas-microsoft-com:vml" xmlns:pvml="urn:schemas-microsoft-com:office:powerpoint" xmlns:com="http://schemas.openxmlformats.org/drawingml/2006/compatibility" xmlns:p14="http://schemas.microsoft.com/office/powerpoint/2010/main" xmlns:p15="http://schemas.microsoft.com/office/powerpoint/2012/main" xmlns:ahyp="http://schemas.microsoft.com/office/drawing/2018/hyperlinkcolor">
   <p:cSld>
     <p:spTree>
       <p:nvGrpSpPr>
@@ -11241,7 +11241,7 @@
 </file>
 
 <file path=ppt/slides/slide6.xml><?xml version="1.0" encoding="utf-8"?>
-<p:sld xmlns:a="http://schemas.openxmlformats.org/drawingml/2006/main" xmlns:r="http://schemas.openxmlformats.org/officeDocument/2006/relationships" xmlns:mc="http://schemas.openxmlformats.org/markup-compatibility/2006" xmlns:mv="urn:schemas-microsoft-com:mac:vml" xmlns:p="http://schemas.openxmlformats.org/presentationml/2006/main" xmlns:c="http://schemas.openxmlformats.org/drawingml/2006/chart" xmlns:dgm="http://schemas.openxmlformats.org/drawingml/2006/diagram" xmlns:o="urn:schemas-microsoft-com:office:office" xmlns:v="urn:schemas-microsoft-com:vml" xmlns:pvml="urn:schemas-microsoft-com:office:powerpoint" xmlns:com="http://schemas.openxmlformats.org/drawingml/2006/compatibility" xmlns:p14="http://schemas.microsoft.com/office/powerpoint/2010/main" xmlns:p15="http://schemas.microsoft.com/office/powerpoint/2012/main">
+<p:sld xmlns:a="http://schemas.openxmlformats.org/drawingml/2006/main" xmlns:r="http://schemas.openxmlformats.org/officeDocument/2006/relationships" xmlns:mc="http://schemas.openxmlformats.org/markup-compatibility/2006" xmlns:mv="urn:schemas-microsoft-com:mac:vml" xmlns:p="http://schemas.openxmlformats.org/presentationml/2006/main" xmlns:c="http://schemas.openxmlformats.org/drawingml/2006/chart" xmlns:dgm="http://schemas.openxmlformats.org/drawingml/2006/diagram" xmlns:o="urn:schemas-microsoft-com:office:office" xmlns:v="urn:schemas-microsoft-com:vml" xmlns:pvml="urn:schemas-microsoft-com:office:powerpoint" xmlns:com="http://schemas.openxmlformats.org/drawingml/2006/compatibility" xmlns:p14="http://schemas.microsoft.com/office/powerpoint/2010/main" xmlns:p15="http://schemas.microsoft.com/office/powerpoint/2012/main" xmlns:ahyp="http://schemas.microsoft.com/office/drawing/2018/hyperlinkcolor">
   <p:cSld>
     <p:spTree>
       <p:nvGrpSpPr>
@@ -11416,7 +11416,7 @@
 </file>
 
 <file path=ppt/slides/slide7.xml><?xml version="1.0" encoding="utf-8"?>
-<p:sld xmlns:a="http://schemas.openxmlformats.org/drawingml/2006/main" xmlns:r="http://schemas.openxmlformats.org/officeDocument/2006/relationships" xmlns:mc="http://schemas.openxmlformats.org/markup-compatibility/2006" xmlns:mv="urn:schemas-microsoft-com:mac:vml" xmlns:p="http://schemas.openxmlformats.org/presentationml/2006/main" xmlns:c="http://schemas.openxmlformats.org/drawingml/2006/chart" xmlns:dgm="http://schemas.openxmlformats.org/drawingml/2006/diagram" xmlns:o="urn:schemas-microsoft-com:office:office" xmlns:v="urn:schemas-microsoft-com:vml" xmlns:pvml="urn:schemas-microsoft-com:office:powerpoint" xmlns:com="http://schemas.openxmlformats.org/drawingml/2006/compatibility" xmlns:p14="http://schemas.microsoft.com/office/powerpoint/2010/main" xmlns:p15="http://schemas.microsoft.com/office/powerpoint/2012/main">
+<p:sld xmlns:a="http://schemas.openxmlformats.org/drawingml/2006/main" xmlns:r="http://schemas.openxmlformats.org/officeDocument/2006/relationships" xmlns:mc="http://schemas.openxmlformats.org/markup-compatibility/2006" xmlns:mv="urn:schemas-microsoft-com:mac:vml" xmlns:p="http://schemas.openxmlformats.org/presentationml/2006/main" xmlns:c="http://schemas.openxmlformats.org/drawingml/2006/chart" xmlns:dgm="http://schemas.openxmlformats.org/drawingml/2006/diagram" xmlns:o="urn:schemas-microsoft-com:office:office" xmlns:v="urn:schemas-microsoft-com:vml" xmlns:pvml="urn:schemas-microsoft-com:office:powerpoint" xmlns:com="http://schemas.openxmlformats.org/drawingml/2006/compatibility" xmlns:p14="http://schemas.microsoft.com/office/powerpoint/2010/main" xmlns:p15="http://schemas.microsoft.com/office/powerpoint/2012/main" xmlns:ahyp="http://schemas.microsoft.com/office/drawing/2018/hyperlinkcolor">
   <p:cSld>
     <p:spTree>
       <p:nvGrpSpPr>
@@ -11880,7 +11880,7 @@
                 <a:cs typeface="Lato"/>
                 <a:sym typeface="Lato"/>
               </a:rPr>
-              <a:t>Hidden Layer (32)</a:t>
+              <a:t>Hidden Layer (6)</a:t>
             </a:r>
             <a:endParaRPr b="1" sz="1700">
               <a:solidFill>
@@ -12562,7 +12562,7 @@
                 <a:cs typeface="Lato"/>
                 <a:sym typeface="Lato"/>
               </a:rPr>
-              <a:t>32</a:t>
+              <a:t>6</a:t>
             </a:r>
             <a:endParaRPr b="1" sz="1500">
               <a:latin typeface="Lato"/>
@@ -12776,7 +12776,7 @@
 </file>
 
 <file path=ppt/slides/slide8.xml><?xml version="1.0" encoding="utf-8"?>
-<p:sld xmlns:a="http://schemas.openxmlformats.org/drawingml/2006/main" xmlns:r="http://schemas.openxmlformats.org/officeDocument/2006/relationships" xmlns:mc="http://schemas.openxmlformats.org/markup-compatibility/2006" xmlns:mv="urn:schemas-microsoft-com:mac:vml" xmlns:p="http://schemas.openxmlformats.org/presentationml/2006/main" xmlns:c="http://schemas.openxmlformats.org/drawingml/2006/chart" xmlns:dgm="http://schemas.openxmlformats.org/drawingml/2006/diagram" xmlns:o="urn:schemas-microsoft-com:office:office" xmlns:v="urn:schemas-microsoft-com:vml" xmlns:pvml="urn:schemas-microsoft-com:office:powerpoint" xmlns:com="http://schemas.openxmlformats.org/drawingml/2006/compatibility" xmlns:p14="http://schemas.microsoft.com/office/powerpoint/2010/main" xmlns:p15="http://schemas.microsoft.com/office/powerpoint/2012/main">
+<p:sld xmlns:a="http://schemas.openxmlformats.org/drawingml/2006/main" xmlns:r="http://schemas.openxmlformats.org/officeDocument/2006/relationships" xmlns:mc="http://schemas.openxmlformats.org/markup-compatibility/2006" xmlns:mv="urn:schemas-microsoft-com:mac:vml" xmlns:p="http://schemas.openxmlformats.org/presentationml/2006/main" xmlns:c="http://schemas.openxmlformats.org/drawingml/2006/chart" xmlns:dgm="http://schemas.openxmlformats.org/drawingml/2006/diagram" xmlns:o="urn:schemas-microsoft-com:office:office" xmlns:v="urn:schemas-microsoft-com:vml" xmlns:pvml="urn:schemas-microsoft-com:office:powerpoint" xmlns:com="http://schemas.openxmlformats.org/drawingml/2006/compatibility" xmlns:p14="http://schemas.microsoft.com/office/powerpoint/2010/main" xmlns:p15="http://schemas.microsoft.com/office/powerpoint/2012/main" xmlns:ahyp="http://schemas.microsoft.com/office/drawing/2018/hyperlinkcolor">
   <p:cSld>
     <p:spTree>
       <p:nvGrpSpPr>
@@ -12988,7 +12988,7 @@
 </file>
 
 <file path=ppt/slides/slide9.xml><?xml version="1.0" encoding="utf-8"?>
-<p:sld xmlns:a="http://schemas.openxmlformats.org/drawingml/2006/main" xmlns:r="http://schemas.openxmlformats.org/officeDocument/2006/relationships" xmlns:mc="http://schemas.openxmlformats.org/markup-compatibility/2006" xmlns:mv="urn:schemas-microsoft-com:mac:vml" xmlns:p="http://schemas.openxmlformats.org/presentationml/2006/main" xmlns:c="http://schemas.openxmlformats.org/drawingml/2006/chart" xmlns:dgm="http://schemas.openxmlformats.org/drawingml/2006/diagram" xmlns:o="urn:schemas-microsoft-com:office:office" xmlns:v="urn:schemas-microsoft-com:vml" xmlns:pvml="urn:schemas-microsoft-com:office:powerpoint" xmlns:com="http://schemas.openxmlformats.org/drawingml/2006/compatibility" xmlns:p14="http://schemas.microsoft.com/office/powerpoint/2010/main" xmlns:p15="http://schemas.microsoft.com/office/powerpoint/2012/main">
+<p:sld xmlns:a="http://schemas.openxmlformats.org/drawingml/2006/main" xmlns:r="http://schemas.openxmlformats.org/officeDocument/2006/relationships" xmlns:mc="http://schemas.openxmlformats.org/markup-compatibility/2006" xmlns:mv="urn:schemas-microsoft-com:mac:vml" xmlns:p="http://schemas.openxmlformats.org/presentationml/2006/main" xmlns:c="http://schemas.openxmlformats.org/drawingml/2006/chart" xmlns:dgm="http://schemas.openxmlformats.org/drawingml/2006/diagram" xmlns:o="urn:schemas-microsoft-com:office:office" xmlns:v="urn:schemas-microsoft-com:vml" xmlns:pvml="urn:schemas-microsoft-com:office:powerpoint" xmlns:com="http://schemas.openxmlformats.org/drawingml/2006/compatibility" xmlns:p14="http://schemas.microsoft.com/office/powerpoint/2010/main" xmlns:p15="http://schemas.microsoft.com/office/powerpoint/2012/main" xmlns:ahyp="http://schemas.microsoft.com/office/drawing/2018/hyperlinkcolor">
   <p:cSld>
     <p:spTree>
       <p:nvGrpSpPr>
